--- a/Testhead_OS_V225_Note.pptx
+++ b/Testhead_OS_V225_Note.pptx
@@ -5,7 +5,7 @@
     <p:sldMasterId id="2147483648" r:id="rId1"/>
   </p:sldMasterIdLst>
   <p:notesMasterIdLst>
-    <p:notesMasterId r:id="rId13"/>
+    <p:notesMasterId r:id="rId14"/>
   </p:notesMasterIdLst>
   <p:sldIdLst>
     <p:sldId id="256" r:id="rId2"/>
@@ -19,6 +19,7 @@
     <p:sldId id="266" r:id="rId10"/>
     <p:sldId id="263" r:id="rId11"/>
     <p:sldId id="264" r:id="rId12"/>
+    <p:sldId id="267" r:id="rId13"/>
   </p:sldIdLst>
   <p:sldSz cx="9144000" cy="6858000" type="screen4x3"/>
   <p:notesSz cx="6858000" cy="9144000"/>
@@ -119,7 +120,7 @@
   </p:defaultTextStyle>
   <p:extLst>
     <p:ext uri="{EFAFB233-063F-42B5-8137-9DF3F51BA10A}">
-      <p15:sldGuideLst xmlns="" xmlns:p15="http://schemas.microsoft.com/office/powerpoint/2012/main">
+      <p15:sldGuideLst xmlns:p15="http://schemas.microsoft.com/office/powerpoint/2012/main" xmlns="">
         <p15:guide id="1" orient="horz" pos="2160">
           <p15:clr>
             <a:srgbClr val="A4A3A4"/>
@@ -218,7 +219,7 @@
           <a:p>
             <a:fld id="{4467EBB1-5ED4-9647-8636-808B75592258}" type="datetimeFigureOut">
               <a:rPr kumimoji="1" lang="zh-TW" altLang="en-US" smtClean="0"/>
-              <a:t>2017/5/19</a:t>
+              <a:t>2017/5/23</a:t>
             </a:fld>
             <a:endParaRPr kumimoji="1" lang="zh-TW" altLang="en-US"/>
           </a:p>
@@ -1771,7 +1772,7 @@
           <a:p>
             <a:fld id="{2F8D32D3-85EB-489E-9E3D-4796EA85F5C6}" type="datetimeFigureOut">
               <a:rPr lang="zh-TW" altLang="en-US" smtClean="0"/>
-              <a:t>2017/5/19</a:t>
+              <a:t>2017/5/23</a:t>
             </a:fld>
             <a:endParaRPr lang="zh-TW" altLang="en-US"/>
           </a:p>
@@ -1941,7 +1942,7 @@
           <a:p>
             <a:fld id="{2F8D32D3-85EB-489E-9E3D-4796EA85F5C6}" type="datetimeFigureOut">
               <a:rPr lang="zh-TW" altLang="en-US" smtClean="0"/>
-              <a:t>2017/5/19</a:t>
+              <a:t>2017/5/23</a:t>
             </a:fld>
             <a:endParaRPr lang="zh-TW" altLang="en-US"/>
           </a:p>
@@ -2121,7 +2122,7 @@
           <a:p>
             <a:fld id="{2F8D32D3-85EB-489E-9E3D-4796EA85F5C6}" type="datetimeFigureOut">
               <a:rPr lang="zh-TW" altLang="en-US" smtClean="0"/>
-              <a:t>2017/5/19</a:t>
+              <a:t>2017/5/23</a:t>
             </a:fld>
             <a:endParaRPr lang="zh-TW" altLang="en-US"/>
           </a:p>
@@ -2291,7 +2292,7 @@
           <a:p>
             <a:fld id="{2F8D32D3-85EB-489E-9E3D-4796EA85F5C6}" type="datetimeFigureOut">
               <a:rPr lang="zh-TW" altLang="en-US" smtClean="0"/>
-              <a:t>2017/5/19</a:t>
+              <a:t>2017/5/23</a:t>
             </a:fld>
             <a:endParaRPr lang="zh-TW" altLang="en-US"/>
           </a:p>
@@ -2537,7 +2538,7 @@
           <a:p>
             <a:fld id="{2F8D32D3-85EB-489E-9E3D-4796EA85F5C6}" type="datetimeFigureOut">
               <a:rPr lang="zh-TW" altLang="en-US" smtClean="0"/>
-              <a:t>2017/5/19</a:t>
+              <a:t>2017/5/23</a:t>
             </a:fld>
             <a:endParaRPr lang="zh-TW" altLang="en-US"/>
           </a:p>
@@ -2825,7 +2826,7 @@
           <a:p>
             <a:fld id="{2F8D32D3-85EB-489E-9E3D-4796EA85F5C6}" type="datetimeFigureOut">
               <a:rPr lang="zh-TW" altLang="en-US" smtClean="0"/>
-              <a:t>2017/5/19</a:t>
+              <a:t>2017/5/23</a:t>
             </a:fld>
             <a:endParaRPr lang="zh-TW" altLang="en-US"/>
           </a:p>
@@ -3247,7 +3248,7 @@
           <a:p>
             <a:fld id="{2F8D32D3-85EB-489E-9E3D-4796EA85F5C6}" type="datetimeFigureOut">
               <a:rPr lang="zh-TW" altLang="en-US" smtClean="0"/>
-              <a:t>2017/5/19</a:t>
+              <a:t>2017/5/23</a:t>
             </a:fld>
             <a:endParaRPr lang="zh-TW" altLang="en-US"/>
           </a:p>
@@ -3365,7 +3366,7 @@
           <a:p>
             <a:fld id="{2F8D32D3-85EB-489E-9E3D-4796EA85F5C6}" type="datetimeFigureOut">
               <a:rPr lang="zh-TW" altLang="en-US" smtClean="0"/>
-              <a:t>2017/5/19</a:t>
+              <a:t>2017/5/23</a:t>
             </a:fld>
             <a:endParaRPr lang="zh-TW" altLang="en-US"/>
           </a:p>
@@ -3460,7 +3461,7 @@
           <a:p>
             <a:fld id="{2F8D32D3-85EB-489E-9E3D-4796EA85F5C6}" type="datetimeFigureOut">
               <a:rPr lang="zh-TW" altLang="en-US" smtClean="0"/>
-              <a:t>2017/5/19</a:t>
+              <a:t>2017/5/23</a:t>
             </a:fld>
             <a:endParaRPr lang="zh-TW" altLang="en-US"/>
           </a:p>
@@ -3737,7 +3738,7 @@
           <a:p>
             <a:fld id="{2F8D32D3-85EB-489E-9E3D-4796EA85F5C6}" type="datetimeFigureOut">
               <a:rPr lang="zh-TW" altLang="en-US" smtClean="0"/>
-              <a:t>2017/5/19</a:t>
+              <a:t>2017/5/23</a:t>
             </a:fld>
             <a:endParaRPr lang="zh-TW" altLang="en-US"/>
           </a:p>
@@ -3990,7 +3991,7 @@
           <a:p>
             <a:fld id="{2F8D32D3-85EB-489E-9E3D-4796EA85F5C6}" type="datetimeFigureOut">
               <a:rPr lang="zh-TW" altLang="en-US" smtClean="0"/>
-              <a:t>2017/5/19</a:t>
+              <a:t>2017/5/23</a:t>
             </a:fld>
             <a:endParaRPr lang="zh-TW" altLang="en-US"/>
           </a:p>
@@ -4203,7 +4204,7 @@
           <a:p>
             <a:fld id="{2F8D32D3-85EB-489E-9E3D-4796EA85F5C6}" type="datetimeFigureOut">
               <a:rPr lang="zh-TW" altLang="en-US" smtClean="0"/>
-              <a:t>2017/5/19</a:t>
+              <a:t>2017/5/23</a:t>
             </a:fld>
             <a:endParaRPr lang="zh-TW" altLang="en-US"/>
           </a:p>
@@ -5651,6 +5652,356 @@
 </p:sld>
 </file>
 
+<file path=ppt/slides/slide12.xml><?xml version="1.0" encoding="utf-8"?>
+<p:sld xmlns:a="http://schemas.openxmlformats.org/drawingml/2006/main" xmlns:r="http://schemas.openxmlformats.org/officeDocument/2006/relationships" xmlns:p="http://schemas.openxmlformats.org/presentationml/2006/main">
+  <p:cSld>
+    <p:spTree>
+      <p:nvGrpSpPr>
+        <p:cNvPr id="1" name=""/>
+        <p:cNvGrpSpPr/>
+        <p:nvPr/>
+      </p:nvGrpSpPr>
+      <p:grpSpPr>
+        <a:xfrm>
+          <a:off x="0" y="0"/>
+          <a:ext cx="0" cy="0"/>
+          <a:chOff x="0" y="0"/>
+          <a:chExt cx="0" cy="0"/>
+        </a:xfrm>
+      </p:grpSpPr>
+      <p:sp>
+        <p:nvSpPr>
+          <p:cNvPr id="2" name="標題 1"/>
+          <p:cNvSpPr>
+            <a:spLocks noGrp="1"/>
+          </p:cNvSpPr>
+          <p:nvPr>
+            <p:ph type="title"/>
+          </p:nvPr>
+        </p:nvSpPr>
+        <p:spPr/>
+        <p:txBody>
+          <a:bodyPr>
+            <a:normAutofit/>
+          </a:bodyPr>
+          <a:lstStyle/>
+          <a:p>
+            <a:r>
+              <a:rPr lang="en-US" altLang="zh-TW" sz="3200" dirty="0" smtClean="0"/>
+              <a:t>Large than 2G Limit in Windows</a:t>
+            </a:r>
+            <a:endParaRPr lang="zh-TW" altLang="en-US" sz="3200" dirty="0"/>
+          </a:p>
+        </p:txBody>
+      </p:sp>
+      <p:sp>
+        <p:nvSpPr>
+          <p:cNvPr id="3" name="內容版面配置區 2"/>
+          <p:cNvSpPr>
+            <a:spLocks noGrp="1"/>
+          </p:cNvSpPr>
+          <p:nvPr>
+            <p:ph idx="1"/>
+          </p:nvPr>
+        </p:nvSpPr>
+        <p:spPr/>
+        <p:txBody>
+          <a:bodyPr>
+            <a:normAutofit/>
+          </a:bodyPr>
+          <a:lstStyle/>
+          <a:p>
+            <a:r>
+              <a:rPr lang="en-US" altLang="zh-TW" sz="1800" dirty="0" smtClean="0"/>
+              <a:t>Windows</a:t>
+            </a:r>
+            <a:r>
+              <a:rPr lang="zh-TW" altLang="en-US" sz="1800" dirty="0" smtClean="0"/>
+              <a:t>作業系統 </a:t>
+            </a:r>
+            <a:r>
+              <a:rPr lang="en-US" altLang="zh-TW" sz="1800" dirty="0" smtClean="0"/>
+              <a:t>(Win XP, 7 , vista, 10)</a:t>
+            </a:r>
+            <a:r>
+              <a:rPr lang="zh-TW" altLang="en-US" sz="1800" dirty="0" smtClean="0"/>
+              <a:t>中</a:t>
+            </a:r>
+            <a:r>
+              <a:rPr lang="en-US" altLang="zh-TW" sz="1800" dirty="0" smtClean="0"/>
+              <a:t>, </a:t>
+            </a:r>
+            <a:r>
+              <a:rPr lang="zh-TW" altLang="en-US" sz="1800" dirty="0" smtClean="0"/>
+              <a:t>微軟有限制每一執行程式 </a:t>
+            </a:r>
+            <a:r>
+              <a:rPr lang="en-US" altLang="zh-TW" sz="1800" dirty="0" smtClean="0"/>
+              <a:t>(App)</a:t>
+            </a:r>
+            <a:r>
+              <a:rPr lang="zh-TW" altLang="en-US" sz="1800" dirty="0" smtClean="0"/>
+              <a:t>最多只能使用記憶體到</a:t>
+            </a:r>
+            <a:r>
+              <a:rPr lang="en-US" altLang="zh-TW" sz="1800" dirty="0" smtClean="0"/>
+              <a:t>2 GB</a:t>
+            </a:r>
+            <a:r>
+              <a:rPr lang="zh-TW" altLang="en-US" sz="1800" dirty="0" smtClean="0"/>
+              <a:t>。而在</a:t>
+            </a:r>
+            <a:r>
+              <a:rPr lang="en-US" altLang="zh-TW" sz="1800" dirty="0" err="1" smtClean="0"/>
+              <a:t>Testhead</a:t>
+            </a:r>
+            <a:r>
+              <a:rPr lang="en-US" altLang="zh-TW" sz="1800" dirty="0" smtClean="0"/>
+              <a:t> SGOS</a:t>
+            </a:r>
+            <a:r>
+              <a:rPr lang="zh-TW" altLang="en-US" sz="1800" dirty="0" smtClean="0"/>
+              <a:t>下</a:t>
+            </a:r>
+            <a:r>
+              <a:rPr lang="en-US" altLang="zh-TW" sz="1800" dirty="0" smtClean="0"/>
+              <a:t>, </a:t>
+            </a:r>
+            <a:r>
+              <a:rPr lang="zh-TW" altLang="en-US" sz="1800" dirty="0" smtClean="0"/>
+              <a:t>由於測試程式使用的記憶體很大 </a:t>
+            </a:r>
+            <a:r>
+              <a:rPr lang="en-US" altLang="zh-TW" sz="1800" dirty="0" smtClean="0"/>
+              <a:t>(</a:t>
+            </a:r>
+            <a:r>
+              <a:rPr lang="zh-TW" altLang="en-US" sz="1800" dirty="0" smtClean="0"/>
+              <a:t>大多是</a:t>
+            </a:r>
+            <a:r>
+              <a:rPr lang="en-US" altLang="zh-TW" sz="1800" dirty="0" smtClean="0"/>
+              <a:t>Pattern File) , </a:t>
+            </a:r>
+            <a:r>
+              <a:rPr lang="zh-TW" altLang="en-US" sz="1800" dirty="0" smtClean="0"/>
+              <a:t>於是</a:t>
+            </a:r>
+            <a:r>
+              <a:rPr lang="en-US" altLang="zh-TW" sz="1800" dirty="0" smtClean="0"/>
+              <a:t>SGOS</a:t>
+            </a:r>
+            <a:r>
+              <a:rPr lang="zh-TW" altLang="en-US" sz="1800" dirty="0" smtClean="0"/>
+              <a:t>在整體使用記憶體會超過</a:t>
+            </a:r>
+            <a:r>
+              <a:rPr lang="en-US" altLang="zh-TW" sz="1800" dirty="0" smtClean="0"/>
+              <a:t>2GBs</a:t>
+            </a:r>
+            <a:r>
+              <a:rPr lang="zh-TW" altLang="en-US" sz="1800" dirty="0" smtClean="0"/>
+              <a:t>。</a:t>
+            </a:r>
+            <a:endParaRPr lang="en-US" altLang="zh-TW" sz="1800" dirty="0" smtClean="0"/>
+          </a:p>
+          <a:p>
+            <a:r>
+              <a:rPr lang="zh-TW" altLang="en-US" sz="1800" dirty="0"/>
+              <a:t>因此必須</a:t>
+            </a:r>
+            <a:r>
+              <a:rPr lang="zh-TW" altLang="en-US" sz="1800" dirty="0" smtClean="0"/>
+              <a:t>在</a:t>
+            </a:r>
+            <a:r>
+              <a:rPr lang="en-US" altLang="zh-TW" sz="1800" dirty="0" smtClean="0"/>
+              <a:t>Compile</a:t>
+            </a:r>
+            <a:r>
+              <a:rPr lang="zh-TW" altLang="en-US" sz="1800" dirty="0" smtClean="0"/>
+              <a:t>時對</a:t>
+            </a:r>
+            <a:r>
+              <a:rPr lang="en-US" altLang="zh-TW" sz="1800" dirty="0" smtClean="0"/>
+              <a:t>Compiler</a:t>
+            </a:r>
+            <a:r>
+              <a:rPr lang="zh-TW" altLang="en-US" sz="1800" dirty="0" smtClean="0"/>
+              <a:t>設定讓其能夠超過</a:t>
+            </a:r>
+            <a:r>
+              <a:rPr lang="en-US" altLang="zh-TW" sz="1800" dirty="0" smtClean="0"/>
+              <a:t>2GBs</a:t>
+            </a:r>
+            <a:r>
+              <a:rPr lang="zh-TW" altLang="en-US" sz="1800" dirty="0" smtClean="0"/>
+              <a:t>。</a:t>
+            </a:r>
+            <a:endParaRPr lang="en-US" altLang="zh-TW" sz="1800" dirty="0" smtClean="0"/>
+          </a:p>
+          <a:p>
+            <a:endParaRPr lang="en-US" altLang="zh-TW" sz="1800" dirty="0" smtClean="0"/>
+          </a:p>
+          <a:p>
+            <a:r>
+              <a:rPr lang="en-US" altLang="zh-TW" sz="1800" dirty="0" smtClean="0"/>
+              <a:t>“</a:t>
+            </a:r>
+            <a:r>
+              <a:rPr lang="en-US" altLang="zh-TW" sz="1800" dirty="0" smtClean="0">
+                <a:solidFill>
+                  <a:srgbClr val="FF0000"/>
+                </a:solidFill>
+              </a:rPr>
+              <a:t>-GF:LARGEADDRESSAWARE</a:t>
+            </a:r>
+            <a:r>
+              <a:rPr lang="en-US" altLang="zh-TW" sz="1800" dirty="0" smtClean="0"/>
+              <a:t>”  </a:t>
+            </a:r>
+            <a:r>
+              <a:rPr lang="zh-TW" altLang="en-US" sz="1800" dirty="0" smtClean="0"/>
+              <a:t>此為讓程式使用超過</a:t>
+            </a:r>
+            <a:r>
+              <a:rPr lang="en-US" altLang="zh-TW" sz="1800" dirty="0" smtClean="0"/>
+              <a:t>2GBs</a:t>
+            </a:r>
+            <a:r>
+              <a:rPr lang="zh-TW" altLang="en-US" sz="1800" dirty="0" smtClean="0"/>
+              <a:t>的</a:t>
+            </a:r>
+            <a:r>
+              <a:rPr lang="en-US" altLang="zh-TW" sz="1800" dirty="0" smtClean="0"/>
+              <a:t>Compile</a:t>
+            </a:r>
+            <a:r>
+              <a:rPr lang="zh-TW" altLang="en-US" sz="1800" dirty="0" smtClean="0"/>
+              <a:t>指令設定</a:t>
+            </a:r>
+            <a:endParaRPr lang="en-US" altLang="zh-TW" sz="1800" dirty="0" smtClean="0"/>
+          </a:p>
+          <a:p>
+            <a:endParaRPr lang="en-US" altLang="zh-TW" sz="1800" dirty="0"/>
+          </a:p>
+          <a:p>
+            <a:r>
+              <a:rPr lang="en-US" altLang="zh-TW" sz="1800" dirty="0" smtClean="0"/>
+              <a:t>1. </a:t>
+            </a:r>
+            <a:r>
+              <a:rPr lang="zh-TW" altLang="en-US" sz="1800" dirty="0" smtClean="0"/>
+              <a:t>修改</a:t>
+            </a:r>
+            <a:r>
+              <a:rPr lang="en-US" altLang="zh-TW" sz="1800" dirty="0" smtClean="0"/>
+              <a:t>SG9000.bpr</a:t>
+            </a:r>
+            <a:r>
+              <a:rPr lang="zh-TW" altLang="en-US" sz="1800" dirty="0" smtClean="0"/>
+              <a:t>檔案 </a:t>
+            </a:r>
+            <a:r>
+              <a:rPr lang="en-US" altLang="zh-TW" sz="1800" dirty="0" smtClean="0"/>
+              <a:t>(</a:t>
+            </a:r>
+            <a:r>
+              <a:rPr lang="zh-TW" altLang="en-US" sz="1800" dirty="0" smtClean="0"/>
+              <a:t>可使用</a:t>
+            </a:r>
+            <a:r>
+              <a:rPr lang="en-US" altLang="zh-TW" sz="1800" dirty="0" err="1" smtClean="0"/>
+              <a:t>NotePad</a:t>
+            </a:r>
+            <a:r>
+              <a:rPr lang="en-US" altLang="zh-TW" sz="1800" dirty="0" smtClean="0"/>
+              <a:t>++</a:t>
+            </a:r>
+            <a:r>
+              <a:rPr lang="zh-TW" altLang="en-US" sz="1800" dirty="0" smtClean="0"/>
+              <a:t>開啟</a:t>
+            </a:r>
+            <a:r>
+              <a:rPr lang="en-US" altLang="zh-TW" sz="1800" dirty="0" smtClean="0"/>
+              <a:t>)</a:t>
+            </a:r>
+          </a:p>
+          <a:p>
+            <a:r>
+              <a:rPr lang="en-US" altLang="zh-TW" sz="1800" dirty="0"/>
+              <a:t>2. </a:t>
+            </a:r>
+            <a:r>
+              <a:rPr lang="zh-TW" altLang="en-US" sz="1800" dirty="0" smtClean="0"/>
+              <a:t>找到</a:t>
+            </a:r>
+            <a:r>
+              <a:rPr lang="en-US" altLang="zh-TW" sz="1800" dirty="0" smtClean="0"/>
+              <a:t>”LFLAGS”</a:t>
+            </a:r>
+            <a:r>
+              <a:rPr lang="zh-TW" altLang="en-US" sz="1800" dirty="0" smtClean="0"/>
+              <a:t>此一</a:t>
+            </a:r>
+            <a:r>
+              <a:rPr lang="en-US" altLang="zh-TW" sz="1800" dirty="0" smtClean="0"/>
+              <a:t>header, </a:t>
+            </a:r>
+            <a:r>
+              <a:rPr lang="zh-TW" altLang="en-US" sz="1800" dirty="0" smtClean="0"/>
+              <a:t>並將以上指令加入如下所示</a:t>
+            </a:r>
+            <a:r>
+              <a:rPr lang="en-US" altLang="zh-TW" sz="1800" dirty="0" smtClean="0"/>
+              <a:t>: </a:t>
+            </a:r>
+          </a:p>
+        </p:txBody>
+      </p:sp>
+      <p:pic>
+        <p:nvPicPr>
+          <p:cNvPr id="4" name="圖片 3"/>
+          <p:cNvPicPr>
+            <a:picLocks noChangeAspect="1"/>
+          </p:cNvPicPr>
+          <p:nvPr/>
+        </p:nvPicPr>
+        <p:blipFill>
+          <a:blip r:embed="rId2">
+            <a:extLst>
+              <a:ext uri="{28A0092B-C50C-407E-A947-70E740481C1C}">
+                <a14:useLocalDpi xmlns:a14="http://schemas.microsoft.com/office/drawing/2010/main" val="0"/>
+              </a:ext>
+            </a:extLst>
+          </a:blip>
+          <a:stretch>
+            <a:fillRect/>
+          </a:stretch>
+        </p:blipFill>
+        <p:spPr>
+          <a:xfrm>
+            <a:off x="828675" y="4509120"/>
+            <a:ext cx="7486650" cy="1123950"/>
+          </a:xfrm>
+          <a:prstGeom prst="rect">
+            <a:avLst/>
+          </a:prstGeom>
+        </p:spPr>
+      </p:pic>
+    </p:spTree>
+    <p:extLst>
+      <p:ext uri="{BB962C8B-B14F-4D97-AF65-F5344CB8AC3E}">
+        <p14:creationId xmlns:p14="http://schemas.microsoft.com/office/powerpoint/2010/main" val="1588511472"/>
+      </p:ext>
+    </p:extLst>
+  </p:cSld>
+  <p:clrMapOvr>
+    <a:masterClrMapping/>
+  </p:clrMapOvr>
+</p:sld>
+</file>
+
 <file path=ppt/slides/slide2.xml><?xml version="1.0" encoding="utf-8"?>
 <p:sld xmlns:a="http://schemas.openxmlformats.org/drawingml/2006/main" xmlns:r="http://schemas.openxmlformats.org/officeDocument/2006/relationships" xmlns:p="http://schemas.openxmlformats.org/presentationml/2006/main">
   <p:cSld>
@@ -5716,7 +6067,7 @@
           <a:graphicData uri="http://schemas.openxmlformats.org/presentationml/2006/ole">
             <mc:AlternateContent xmlns:mc="http://schemas.openxmlformats.org/markup-compatibility/2006">
               <mc:Choice xmlns:v="urn:schemas-microsoft-com:vml" Requires="v">
-                <p:oleObj spid="_x0000_s1053" name="封裝程式殼層物件" showAsIcon="1" r:id="rId3" imgW="914400" imgH="685800" progId="Package">
+                <p:oleObj spid="_x0000_s1059" name="封裝程式殼層物件" showAsIcon="1" r:id="rId3" imgW="914400" imgH="685800" progId="Package">
                   <p:embed/>
                 </p:oleObj>
               </mc:Choice>
@@ -5773,7 +6124,7 @@
           <a:graphicData uri="http://schemas.openxmlformats.org/presentationml/2006/ole">
             <mc:AlternateContent xmlns:mc="http://schemas.openxmlformats.org/markup-compatibility/2006">
               <mc:Choice xmlns:v="urn:schemas-microsoft-com:vml" Requires="v">
-                <p:oleObj spid="_x0000_s1054" name="封裝程式殼層物件" showAsIcon="1" r:id="rId5" imgW="914400" imgH="685800" progId="Package">
+                <p:oleObj spid="_x0000_s1060" name="封裝程式殼層物件" showAsIcon="1" r:id="rId5" imgW="914400" imgH="685800" progId="Package">
                   <p:embed/>
                 </p:oleObj>
               </mc:Choice>
@@ -6612,7 +6963,7 @@
           <a:graphicData uri="http://schemas.openxmlformats.org/presentationml/2006/ole">
             <mc:AlternateContent xmlns:mc="http://schemas.openxmlformats.org/markup-compatibility/2006">
               <mc:Choice xmlns:v="urn:schemas-microsoft-com:vml" Requires="v">
-                <p:oleObj spid="_x0000_s2073" name="封裝程式殼層物件" showAsIcon="1" r:id="rId3" imgW="914400" imgH="685800" progId="Package">
+                <p:oleObj spid="_x0000_s2079" name="封裝程式殼層物件" showAsIcon="1" r:id="rId3" imgW="914400" imgH="685800" progId="Package">
                   <p:embed/>
                 </p:oleObj>
               </mc:Choice>
@@ -6669,7 +7020,7 @@
           <a:graphicData uri="http://schemas.openxmlformats.org/presentationml/2006/ole">
             <mc:AlternateContent xmlns:mc="http://schemas.openxmlformats.org/markup-compatibility/2006">
               <mc:Choice xmlns:v="urn:schemas-microsoft-com:vml" Requires="v">
-                <p:oleObj spid="_x0000_s2074" name="封裝程式殼層物件" showAsIcon="1" r:id="rId5" imgW="914400" imgH="685800" progId="Package">
+                <p:oleObj spid="_x0000_s2080" name="封裝程式殼層物件" showAsIcon="1" r:id="rId5" imgW="914400" imgH="685800" progId="Package">
                   <p:embed/>
                 </p:oleObj>
               </mc:Choice>
@@ -7862,7 +8213,7 @@
           <a:graphicData uri="http://schemas.openxmlformats.org/presentationml/2006/ole">
             <mc:AlternateContent xmlns:mc="http://schemas.openxmlformats.org/markup-compatibility/2006">
               <mc:Choice xmlns:v="urn:schemas-microsoft-com:vml" Requires="v">
-                <p:oleObj spid="_x0000_s3086" name="封裝程式殼層物件" showAsIcon="1" r:id="rId4" imgW="914400" imgH="685800" progId="Package">
+                <p:oleObj spid="_x0000_s3092" name="封裝程式殼層物件" showAsIcon="1" r:id="rId4" imgW="914400" imgH="685800" progId="Package">
                   <p:embed/>
                 </p:oleObj>
               </mc:Choice>
@@ -7919,7 +8270,7 @@
           <a:graphicData uri="http://schemas.openxmlformats.org/presentationml/2006/ole">
             <mc:AlternateContent xmlns:mc="http://schemas.openxmlformats.org/markup-compatibility/2006">
               <mc:Choice xmlns:v="urn:schemas-microsoft-com:vml" Requires="v">
-                <p:oleObj spid="_x0000_s3087" name="封裝程式殼層物件" showAsIcon="1" r:id="rId6" imgW="914400" imgH="685800" progId="Package">
+                <p:oleObj spid="_x0000_s3093" name="封裝程式殼層物件" showAsIcon="1" r:id="rId6" imgW="914400" imgH="685800" progId="Package">
                   <p:embed/>
                 </p:oleObj>
               </mc:Choice>
@@ -9798,7 +10149,7 @@
   <a:extraClrSchemeLst/>
   <a:extLst>
     <a:ext uri="{05A4C25C-085E-4340-85A3-A5531E510DB2}">
-      <thm15:themeFamily xmlns="" xmlns:thm15="http://schemas.microsoft.com/office/thememl/2012/main" name="Office Theme" id="{62F939B6-93AF-4DB8-9C6B-D6C7DFDC589F}" vid="{4A3C46E8-61CC-4603-A589-7422A47A8E4A}"/>
+      <thm15:themeFamily xmlns:thm15="http://schemas.microsoft.com/office/thememl/2012/main" xmlns="" name="Office Theme" id="{62F939B6-93AF-4DB8-9C6B-D6C7DFDC589F}" vid="{4A3C46E8-61CC-4603-A589-7422A47A8E4A}"/>
     </a:ext>
   </a:extLst>
 </a:theme>
